--- a/m6/ppt/Презентация 6.pptx
+++ b/m6/ppt/Презентация 6.pptx
@@ -244,7 +244,7 @@
           <a:p>
             <a:fld id="{56D26834-5DB3-4451-BEB8-B76B7C0DCE76}" type="datetimeFigureOut">
               <a:rPr lang="ru-RU" smtClean="0"/>
-              <a:t>07.11.2024</a:t>
+              <a:t>14.11.2024</a:t>
             </a:fld>
             <a:endParaRPr lang="ru-RU"/>
           </a:p>
@@ -422,7 +422,7 @@
           <a:p>
             <a:fld id="{46072826-B294-4B60-AAC1-7EDD02A53457}" type="datetimeFigureOut">
               <a:rPr lang="ru-RU" smtClean="0"/>
-              <a:t>07.11.2024</a:t>
+              <a:t>14.11.2024</a:t>
             </a:fld>
             <a:endParaRPr lang="ru-RU"/>
           </a:p>
@@ -15015,7 +15015,7 @@
           <a:p>
             <a:fld id="{EF790F8C-5FB9-4EFE-BCC7-F735A3026FD8}" type="datetimeFigureOut">
               <a:rPr lang="ru-RU" smtClean="0"/>
-              <a:t>07.11.2024</a:t>
+              <a:t>14.11.2024</a:t>
             </a:fld>
             <a:endParaRPr lang="ru-RU"/>
           </a:p>
@@ -19072,6 +19072,9 @@
                     </a:srgbClr>
                   </a:outerShdw>
                 </a:effectLst>
+                <a:highlight>
+                  <a:srgbClr val="FFFF00"/>
+                </a:highlight>
                 <a:latin typeface="Times New Roman"/>
               </a:rPr>
               <a:t>__</a:t>
@@ -19088,6 +19091,9 @@
                     </a:srgbClr>
                   </a:outerShdw>
                 </a:effectLst>
+                <a:highlight>
+                  <a:srgbClr val="FFFF00"/>
+                </a:highlight>
                 <a:latin typeface="Times New Roman"/>
               </a:rPr>
               <a:t>eq</a:t>
@@ -19104,6 +19110,9 @@
                     </a:srgbClr>
                   </a:outerShdw>
                 </a:effectLst>
+                <a:highlight>
+                  <a:srgbClr val="FFFF00"/>
+                </a:highlight>
                 <a:latin typeface="Times New Roman"/>
               </a:rPr>
               <a:t>__() – для равенства ==</a:t>
@@ -19127,6 +19136,9 @@
                     </a:srgbClr>
                   </a:outerShdw>
                 </a:effectLst>
+                <a:highlight>
+                  <a:srgbClr val="FFFF00"/>
+                </a:highlight>
                 <a:latin typeface="Times New Roman"/>
               </a:rPr>
               <a:t>__</a:t>
@@ -19143,6 +19155,9 @@
                     </a:srgbClr>
                   </a:outerShdw>
                 </a:effectLst>
+                <a:highlight>
+                  <a:srgbClr val="FFFF00"/>
+                </a:highlight>
                 <a:latin typeface="Times New Roman"/>
               </a:rPr>
               <a:t>ne</a:t>
@@ -19159,6 +19174,9 @@
                     </a:srgbClr>
                   </a:outerShdw>
                 </a:effectLst>
+                <a:highlight>
+                  <a:srgbClr val="FFFF00"/>
+                </a:highlight>
                 <a:latin typeface="Times New Roman"/>
               </a:rPr>
               <a:t>__() – для неравенства !=</a:t>
@@ -19182,6 +19200,9 @@
                     </a:srgbClr>
                   </a:outerShdw>
                 </a:effectLst>
+                <a:highlight>
+                  <a:srgbClr val="00FF00"/>
+                </a:highlight>
                 <a:latin typeface="Times New Roman"/>
               </a:rPr>
               <a:t>__</a:t>
@@ -19198,6 +19219,9 @@
                     </a:srgbClr>
                   </a:outerShdw>
                 </a:effectLst>
+                <a:highlight>
+                  <a:srgbClr val="00FF00"/>
+                </a:highlight>
                 <a:latin typeface="Times New Roman"/>
               </a:rPr>
               <a:t>lt</a:t>
@@ -19214,6 +19238,9 @@
                     </a:srgbClr>
                   </a:outerShdw>
                 </a:effectLst>
+                <a:highlight>
+                  <a:srgbClr val="00FF00"/>
+                </a:highlight>
                 <a:latin typeface="Times New Roman"/>
               </a:rPr>
               <a:t>__() – для оператора меньше &lt;</a:t>
@@ -19237,6 +19264,9 @@
                     </a:srgbClr>
                   </a:outerShdw>
                 </a:effectLst>
+                <a:highlight>
+                  <a:srgbClr val="00FFFF"/>
+                </a:highlight>
                 <a:latin typeface="Times New Roman"/>
               </a:rPr>
               <a:t>__</a:t>
@@ -19253,6 +19283,9 @@
                     </a:srgbClr>
                   </a:outerShdw>
                 </a:effectLst>
+                <a:highlight>
+                  <a:srgbClr val="00FFFF"/>
+                </a:highlight>
                 <a:latin typeface="Times New Roman"/>
               </a:rPr>
               <a:t>le</a:t>
@@ -19269,6 +19302,9 @@
                     </a:srgbClr>
                   </a:outerShdw>
                 </a:effectLst>
+                <a:highlight>
+                  <a:srgbClr val="00FFFF"/>
+                </a:highlight>
                 <a:latin typeface="Times New Roman"/>
               </a:rPr>
               <a:t>__() – для оператора меньше или равно &lt;=</a:t>
@@ -19292,6 +19328,9 @@
                     </a:srgbClr>
                   </a:outerShdw>
                 </a:effectLst>
+                <a:highlight>
+                  <a:srgbClr val="00FF00"/>
+                </a:highlight>
                 <a:latin typeface="Times New Roman"/>
               </a:rPr>
               <a:t>__</a:t>
@@ -19308,6 +19347,9 @@
                     </a:srgbClr>
                   </a:outerShdw>
                 </a:effectLst>
+                <a:highlight>
+                  <a:srgbClr val="00FF00"/>
+                </a:highlight>
                 <a:latin typeface="Times New Roman"/>
               </a:rPr>
               <a:t>gt</a:t>
@@ -19324,6 +19366,9 @@
                     </a:srgbClr>
                   </a:outerShdw>
                 </a:effectLst>
+                <a:highlight>
+                  <a:srgbClr val="00FF00"/>
+                </a:highlight>
                 <a:latin typeface="Times New Roman"/>
               </a:rPr>
               <a:t>__() – для оператора больше &gt;</a:t>
@@ -19347,6 +19392,9 @@
                     </a:srgbClr>
                   </a:outerShdw>
                 </a:effectLst>
+                <a:highlight>
+                  <a:srgbClr val="00FFFF"/>
+                </a:highlight>
                 <a:latin typeface="Times New Roman"/>
               </a:rPr>
               <a:t>__</a:t>
@@ -19363,6 +19411,9 @@
                     </a:srgbClr>
                   </a:outerShdw>
                 </a:effectLst>
+                <a:highlight>
+                  <a:srgbClr val="00FFFF"/>
+                </a:highlight>
                 <a:latin typeface="Times New Roman"/>
               </a:rPr>
               <a:t>ge</a:t>
@@ -19379,6 +19430,9 @@
                     </a:srgbClr>
                   </a:outerShdw>
                 </a:effectLst>
+                <a:highlight>
+                  <a:srgbClr val="00FFFF"/>
+                </a:highlight>
                 <a:latin typeface="Times New Roman"/>
               </a:rPr>
               <a:t>__() – для оператора больше или равно &gt;=</a:t>
@@ -19394,6 +19448,9 @@
                   </a:srgbClr>
                 </a:outerShdw>
               </a:effectLst>
+              <a:highlight>
+                <a:srgbClr val="00FFFF"/>
+              </a:highlight>
               <a:latin typeface="Times New Roman"/>
             </a:endParaRPr>
           </a:p>
